--- a/1 Introduction.pptx
+++ b/1 Introduction.pptx
@@ -7,15 +7,17 @@
   <p:sldIdLst>
     <p:sldId id="256" r:id="rId2"/>
     <p:sldId id="264" r:id="rId3"/>
-    <p:sldId id="259" r:id="rId4"/>
-    <p:sldId id="267" r:id="rId5"/>
-    <p:sldId id="266" r:id="rId6"/>
-    <p:sldId id="258" r:id="rId7"/>
-    <p:sldId id="268" r:id="rId8"/>
+    <p:sldId id="270" r:id="rId4"/>
+    <p:sldId id="259" r:id="rId5"/>
+    <p:sldId id="267" r:id="rId6"/>
+    <p:sldId id="271" r:id="rId7"/>
+    <p:sldId id="266" r:id="rId8"/>
     <p:sldId id="261" r:id="rId9"/>
-    <p:sldId id="262" r:id="rId10"/>
-    <p:sldId id="263" r:id="rId11"/>
-    <p:sldId id="269" r:id="rId12"/>
+    <p:sldId id="258" r:id="rId10"/>
+    <p:sldId id="268" r:id="rId11"/>
+    <p:sldId id="262" r:id="rId12"/>
+    <p:sldId id="263" r:id="rId13"/>
+    <p:sldId id="269" r:id="rId14"/>
   </p:sldIdLst>
   <p:sldSz cx="9144000" cy="6858000" type="screen4x3"/>
   <p:notesSz cx="6858000" cy="9144000"/>
@@ -299,7 +301,7 @@
             <a:fld id="{B30C0151-6611-4B6A-B71E-113083AA911F}" type="datetimeFigureOut">
               <a:rPr lang="en-US" smtClean="0"/>
               <a:pPr/>
-              <a:t>12/15/2017</a:t>
+              <a:t>1/5/2018</a:t>
             </a:fld>
             <a:endParaRPr lang="en-US"/>
           </a:p>
@@ -466,7 +468,7 @@
             <a:fld id="{B30C0151-6611-4B6A-B71E-113083AA911F}" type="datetimeFigureOut">
               <a:rPr lang="en-US" smtClean="0"/>
               <a:pPr/>
-              <a:t>12/15/2017</a:t>
+              <a:t>1/5/2018</a:t>
             </a:fld>
             <a:endParaRPr lang="en-US"/>
           </a:p>
@@ -643,7 +645,7 @@
             <a:fld id="{B30C0151-6611-4B6A-B71E-113083AA911F}" type="datetimeFigureOut">
               <a:rPr lang="en-US" smtClean="0"/>
               <a:pPr/>
-              <a:t>12/15/2017</a:t>
+              <a:t>1/5/2018</a:t>
             </a:fld>
             <a:endParaRPr lang="en-US"/>
           </a:p>
@@ -810,7 +812,7 @@
             <a:fld id="{B30C0151-6611-4B6A-B71E-113083AA911F}" type="datetimeFigureOut">
               <a:rPr lang="en-US" smtClean="0"/>
               <a:pPr/>
-              <a:t>12/15/2017</a:t>
+              <a:t>1/5/2018</a:t>
             </a:fld>
             <a:endParaRPr lang="en-US"/>
           </a:p>
@@ -1053,7 +1055,7 @@
             <a:fld id="{B30C0151-6611-4B6A-B71E-113083AA911F}" type="datetimeFigureOut">
               <a:rPr lang="en-US" smtClean="0"/>
               <a:pPr/>
-              <a:t>12/15/2017</a:t>
+              <a:t>1/5/2018</a:t>
             </a:fld>
             <a:endParaRPr lang="en-US"/>
           </a:p>
@@ -1338,7 +1340,7 @@
             <a:fld id="{B30C0151-6611-4B6A-B71E-113083AA911F}" type="datetimeFigureOut">
               <a:rPr lang="en-US" smtClean="0"/>
               <a:pPr/>
-              <a:t>12/15/2017</a:t>
+              <a:t>1/5/2018</a:t>
             </a:fld>
             <a:endParaRPr lang="en-US"/>
           </a:p>
@@ -1757,7 +1759,7 @@
             <a:fld id="{B30C0151-6611-4B6A-B71E-113083AA911F}" type="datetimeFigureOut">
               <a:rPr lang="en-US" smtClean="0"/>
               <a:pPr/>
-              <a:t>12/15/2017</a:t>
+              <a:t>1/5/2018</a:t>
             </a:fld>
             <a:endParaRPr lang="en-US"/>
           </a:p>
@@ -1872,7 +1874,7 @@
             <a:fld id="{B30C0151-6611-4B6A-B71E-113083AA911F}" type="datetimeFigureOut">
               <a:rPr lang="en-US" smtClean="0"/>
               <a:pPr/>
-              <a:t>12/15/2017</a:t>
+              <a:t>1/5/2018</a:t>
             </a:fld>
             <a:endParaRPr lang="en-US"/>
           </a:p>
@@ -1964,7 +1966,7 @@
             <a:fld id="{B30C0151-6611-4B6A-B71E-113083AA911F}" type="datetimeFigureOut">
               <a:rPr lang="en-US" smtClean="0"/>
               <a:pPr/>
-              <a:t>12/15/2017</a:t>
+              <a:t>1/5/2018</a:t>
             </a:fld>
             <a:endParaRPr lang="en-US"/>
           </a:p>
@@ -2238,7 +2240,7 @@
             <a:fld id="{B30C0151-6611-4B6A-B71E-113083AA911F}" type="datetimeFigureOut">
               <a:rPr lang="en-US" smtClean="0"/>
               <a:pPr/>
-              <a:t>12/15/2017</a:t>
+              <a:t>1/5/2018</a:t>
             </a:fld>
             <a:endParaRPr lang="en-US"/>
           </a:p>
@@ -2488,7 +2490,7 @@
             <a:fld id="{B30C0151-6611-4B6A-B71E-113083AA911F}" type="datetimeFigureOut">
               <a:rPr lang="en-US" smtClean="0"/>
               <a:pPr/>
-              <a:t>12/15/2017</a:t>
+              <a:t>1/5/2018</a:t>
             </a:fld>
             <a:endParaRPr lang="en-US"/>
           </a:p>
@@ -2698,7 +2700,7 @@
             <a:fld id="{B30C0151-6611-4B6A-B71E-113083AA911F}" type="datetimeFigureOut">
               <a:rPr lang="en-US" smtClean="0"/>
               <a:pPr/>
-              <a:t>12/15/2017</a:t>
+              <a:t>1/5/2018</a:t>
             </a:fld>
             <a:endParaRPr lang="en-US"/>
           </a:p>
@@ -3129,7 +3131,7 @@
           <a:p>
             <a:r>
               <a:rPr lang="en-US" dirty="0" smtClean="0"/>
-              <a:t>Introduction</a:t>
+              <a:t>Lecture 1 Introduction</a:t>
             </a:r>
           </a:p>
           <a:p>
@@ -3146,6 +3148,13 @@
   <p:clrMapOvr>
     <a:masterClrMapping/>
   </p:clrMapOvr>
+  <p:timing>
+    <p:tnLst>
+      <p:par>
+        <p:cTn id="1" dur="indefinite" restart="never" nodeType="tmRoot"/>
+      </p:par>
+    </p:tnLst>
+  </p:timing>
 </p:sld>
 </file>
 
@@ -3183,7 +3192,7 @@
           <a:p>
             <a:r>
               <a:rPr lang="en-US" dirty="0" smtClean="0"/>
-              <a:t>Assignment 1</a:t>
+              <a:t>Grading</a:t>
             </a:r>
             <a:endParaRPr lang="en-US" dirty="0"/>
           </a:p>
@@ -3199,85 +3208,57 @@
             <p:ph idx="1"/>
           </p:nvPr>
         </p:nvSpPr>
-        <p:spPr/>
-        <p:txBody>
-          <a:bodyPr>
-            <a:normAutofit fontScale="92500" lnSpcReduction="10000"/>
-          </a:bodyPr>
-          <a:lstStyle/>
-          <a:p>
+        <p:spPr>
+          <a:xfrm>
+            <a:off x="457200" y="1714500"/>
+            <a:ext cx="8229600" cy="3429000"/>
+          </a:xfrm>
+        </p:spPr>
+        <p:txBody>
+          <a:bodyPr/>
+          <a:lstStyle/>
+          <a:p>
+            <a:pPr>
+              <a:lnSpc>
+                <a:spcPct val="150000"/>
+              </a:lnSpc>
+            </a:pPr>
             <a:r>
               <a:rPr lang="en-US" dirty="0" smtClean="0"/>
-              <a:t>Read an </a:t>
-            </a:r>
+              <a:t>Assignments: 50% (10 assignments; 5% each)</a:t>
+            </a:r>
+          </a:p>
+          <a:p>
+            <a:pPr>
+              <a:lnSpc>
+                <a:spcPct val="150000"/>
+              </a:lnSpc>
+            </a:pPr>
             <a:r>
               <a:rPr lang="en-US" dirty="0" smtClean="0"/>
-              <a:t>article in a biology journal of your </a:t>
-            </a:r>
+              <a:t>Mid term quiz: 10%</a:t>
+            </a:r>
+          </a:p>
+          <a:p>
+            <a:pPr>
+              <a:lnSpc>
+                <a:spcPct val="150000"/>
+              </a:lnSpc>
+            </a:pPr>
             <a:r>
               <a:rPr lang="en-US" dirty="0" smtClean="0"/>
-              <a:t>choice</a:t>
-            </a:r>
-          </a:p>
-          <a:p>
+              <a:t>Final Paper: 15%</a:t>
+            </a:r>
+          </a:p>
+          <a:p>
+            <a:pPr>
+              <a:lnSpc>
+                <a:spcPct val="150000"/>
+              </a:lnSpc>
+            </a:pPr>
             <a:r>
               <a:rPr lang="en-US" dirty="0" smtClean="0"/>
-              <a:t>Pay close attention to the Method and Results sections</a:t>
-            </a:r>
-          </a:p>
-          <a:p>
-            <a:r>
-              <a:rPr lang="en-US" dirty="0" smtClean="0"/>
-              <a:t>Write a summary of the article</a:t>
-            </a:r>
-            <a:endParaRPr lang="en-US" dirty="0" smtClean="0"/>
-          </a:p>
-          <a:p>
-            <a:r>
-              <a:rPr lang="en-US" dirty="0" smtClean="0"/>
-              <a:t>What </a:t>
-            </a:r>
-            <a:r>
-              <a:rPr lang="en-US" dirty="0" smtClean="0"/>
-              <a:t>is the hypothesis the authors are testing?</a:t>
-            </a:r>
-          </a:p>
-          <a:p>
-            <a:r>
-              <a:rPr lang="en-US" dirty="0" smtClean="0"/>
-              <a:t>What </a:t>
-            </a:r>
-            <a:r>
-              <a:rPr lang="en-US" dirty="0" smtClean="0"/>
-              <a:t>is the null hypothesis?</a:t>
-            </a:r>
-          </a:p>
-          <a:p>
-            <a:r>
-              <a:rPr lang="en-US" dirty="0" smtClean="0"/>
-              <a:t>Did their results support the hypothesis? Explain</a:t>
-            </a:r>
-            <a:endParaRPr lang="en-US" dirty="0" smtClean="0"/>
-          </a:p>
-          <a:p>
-            <a:r>
-              <a:rPr lang="en-US" dirty="0" smtClean="0"/>
-              <a:t>What </a:t>
-            </a:r>
-            <a:r>
-              <a:rPr lang="en-US" dirty="0" smtClean="0"/>
-              <a:t>statistical test did they </a:t>
-            </a:r>
-            <a:r>
-              <a:rPr lang="en-US" dirty="0" smtClean="0"/>
-              <a:t>perform?</a:t>
-            </a:r>
-            <a:endParaRPr lang="en-US" dirty="0" smtClean="0"/>
-          </a:p>
-          <a:p>
-            <a:r>
-              <a:rPr lang="en-US" dirty="0" smtClean="0"/>
-              <a:t>Cite the article</a:t>
+              <a:t>Final Exam: 25%</a:t>
             </a:r>
             <a:endParaRPr lang="en-US" dirty="0"/>
           </a:p>
@@ -3325,6 +3306,226 @@
           <a:p>
             <a:r>
               <a:rPr lang="en-US" dirty="0" smtClean="0"/>
+              <a:t>Human Subjects Training</a:t>
+            </a:r>
+            <a:endParaRPr lang="en-US" dirty="0"/>
+          </a:p>
+        </p:txBody>
+      </p:sp>
+      <p:sp>
+        <p:nvSpPr>
+          <p:cNvPr id="3" name="Content Placeholder 2"/>
+          <p:cNvSpPr>
+            <a:spLocks noGrp="1"/>
+          </p:cNvSpPr>
+          <p:nvPr>
+            <p:ph idx="1"/>
+          </p:nvPr>
+        </p:nvSpPr>
+        <p:spPr/>
+        <p:txBody>
+          <a:bodyPr/>
+          <a:lstStyle/>
+          <a:p>
+            <a:pPr marL="0" indent="0" algn="ctr">
+              <a:buNone/>
+            </a:pPr>
+            <a:r>
+              <a:rPr lang="en-US" dirty="0" smtClean="0"/>
+              <a:t>This afternoon we are going to use human subjects (ourselves) in our lab. Please complete the human subjects training by next class (Wednesday 1/10/18)</a:t>
+            </a:r>
+          </a:p>
+          <a:p>
+            <a:pPr marL="0" indent="0" algn="ctr">
+              <a:buNone/>
+            </a:pPr>
+            <a:endParaRPr lang="en-US" dirty="0"/>
+          </a:p>
+          <a:p>
+            <a:pPr marL="0" indent="0" algn="ctr">
+              <a:buNone/>
+            </a:pPr>
+            <a:r>
+              <a:rPr lang="en-US" dirty="0" smtClean="0">
+                <a:hlinkClick r:id="rId2"/>
+              </a:rPr>
+              <a:t>https://phrp.nihtraining.com/users/login.php</a:t>
+            </a:r>
+            <a:endParaRPr lang="en-US" dirty="0"/>
+          </a:p>
+        </p:txBody>
+      </p:sp>
+    </p:spTree>
+  </p:cSld>
+  <p:clrMapOvr>
+    <a:masterClrMapping/>
+  </p:clrMapOvr>
+</p:sld>
+</file>
+
+<file path=ppt/slides/slide12.xml><?xml version="1.0" encoding="utf-8"?>
+<p:sld xmlns:a="http://schemas.openxmlformats.org/drawingml/2006/main" xmlns:r="http://schemas.openxmlformats.org/officeDocument/2006/relationships" xmlns:p="http://schemas.openxmlformats.org/presentationml/2006/main">
+  <p:cSld>
+    <p:spTree>
+      <p:nvGrpSpPr>
+        <p:cNvPr id="1" name=""/>
+        <p:cNvGrpSpPr/>
+        <p:nvPr/>
+      </p:nvGrpSpPr>
+      <p:grpSpPr>
+        <a:xfrm>
+          <a:off x="0" y="0"/>
+          <a:ext cx="0" cy="0"/>
+          <a:chOff x="0" y="0"/>
+          <a:chExt cx="0" cy="0"/>
+        </a:xfrm>
+      </p:grpSpPr>
+      <p:sp>
+        <p:nvSpPr>
+          <p:cNvPr id="2" name="Title 1"/>
+          <p:cNvSpPr>
+            <a:spLocks noGrp="1"/>
+          </p:cNvSpPr>
+          <p:nvPr>
+            <p:ph type="title"/>
+          </p:nvPr>
+        </p:nvSpPr>
+        <p:spPr/>
+        <p:txBody>
+          <a:bodyPr/>
+          <a:lstStyle/>
+          <a:p>
+            <a:r>
+              <a:rPr lang="en-US" dirty="0" smtClean="0"/>
+              <a:t>Assignment 1</a:t>
+            </a:r>
+            <a:endParaRPr lang="en-US" dirty="0"/>
+          </a:p>
+        </p:txBody>
+      </p:sp>
+      <p:sp>
+        <p:nvSpPr>
+          <p:cNvPr id="3" name="Content Placeholder 2"/>
+          <p:cNvSpPr>
+            <a:spLocks noGrp="1"/>
+          </p:cNvSpPr>
+          <p:nvPr>
+            <p:ph idx="1"/>
+          </p:nvPr>
+        </p:nvSpPr>
+        <p:spPr/>
+        <p:txBody>
+          <a:bodyPr>
+            <a:normAutofit fontScale="92500" lnSpcReduction="20000"/>
+          </a:bodyPr>
+          <a:lstStyle/>
+          <a:p>
+            <a:r>
+              <a:rPr lang="en-US" dirty="0" smtClean="0"/>
+              <a:t>Read an article in a biology journal of your choice</a:t>
+            </a:r>
+          </a:p>
+          <a:p>
+            <a:r>
+              <a:rPr lang="en-US" dirty="0" smtClean="0"/>
+              <a:t>Pay close attention to the Method and Results sections</a:t>
+            </a:r>
+          </a:p>
+          <a:p>
+            <a:r>
+              <a:rPr lang="en-US" dirty="0" smtClean="0"/>
+              <a:t>Write a summary of the article</a:t>
+            </a:r>
+          </a:p>
+          <a:p>
+            <a:r>
+              <a:rPr lang="en-US" dirty="0" smtClean="0"/>
+              <a:t>Answer the following questions:</a:t>
+            </a:r>
+          </a:p>
+          <a:p>
+            <a:pPr lvl="1"/>
+            <a:r>
+              <a:rPr lang="en-US" dirty="0" smtClean="0"/>
+              <a:t>What </a:t>
+            </a:r>
+            <a:r>
+              <a:rPr lang="en-US" dirty="0" smtClean="0"/>
+              <a:t>is the hypothesis the authors are testing?</a:t>
+            </a:r>
+          </a:p>
+          <a:p>
+            <a:pPr lvl="1"/>
+            <a:r>
+              <a:rPr lang="en-US" dirty="0" smtClean="0"/>
+              <a:t>What is the null hypothesis?</a:t>
+            </a:r>
+          </a:p>
+          <a:p>
+            <a:pPr lvl="1"/>
+            <a:r>
+              <a:rPr lang="en-US" dirty="0" smtClean="0"/>
+              <a:t>Did their results support the hypothesis? Explain</a:t>
+            </a:r>
+          </a:p>
+          <a:p>
+            <a:pPr lvl="1"/>
+            <a:r>
+              <a:rPr lang="en-US" dirty="0" smtClean="0"/>
+              <a:t>What statistical test did they perform?</a:t>
+            </a:r>
+          </a:p>
+          <a:p>
+            <a:r>
+              <a:rPr lang="en-US" dirty="0" smtClean="0"/>
+              <a:t>Cite the article</a:t>
+            </a:r>
+            <a:endParaRPr lang="en-US" dirty="0"/>
+          </a:p>
+        </p:txBody>
+      </p:sp>
+    </p:spTree>
+  </p:cSld>
+  <p:clrMapOvr>
+    <a:masterClrMapping/>
+  </p:clrMapOvr>
+</p:sld>
+</file>
+
+<file path=ppt/slides/slide13.xml><?xml version="1.0" encoding="utf-8"?>
+<p:sld xmlns:a="http://schemas.openxmlformats.org/drawingml/2006/main" xmlns:r="http://schemas.openxmlformats.org/officeDocument/2006/relationships" xmlns:p="http://schemas.openxmlformats.org/presentationml/2006/main">
+  <p:cSld>
+    <p:spTree>
+      <p:nvGrpSpPr>
+        <p:cNvPr id="1" name=""/>
+        <p:cNvGrpSpPr/>
+        <p:nvPr/>
+      </p:nvGrpSpPr>
+      <p:grpSpPr>
+        <a:xfrm>
+          <a:off x="0" y="0"/>
+          <a:ext cx="0" cy="0"/>
+          <a:chOff x="0" y="0"/>
+          <a:chExt cx="0" cy="0"/>
+        </a:xfrm>
+      </p:grpSpPr>
+      <p:sp>
+        <p:nvSpPr>
+          <p:cNvPr id="2" name="Title 1"/>
+          <p:cNvSpPr>
+            <a:spLocks noGrp="1"/>
+          </p:cNvSpPr>
+          <p:nvPr>
+            <p:ph type="title"/>
+          </p:nvPr>
+        </p:nvSpPr>
+        <p:spPr/>
+        <p:txBody>
+          <a:bodyPr/>
+          <a:lstStyle/>
+          <a:p>
+            <a:r>
+              <a:rPr lang="en-US" dirty="0" smtClean="0"/>
               <a:t>Summary</a:t>
             </a:r>
             <a:endParaRPr lang="en-US" dirty="0"/>
@@ -3505,6 +3706,13 @@
   <p:clrMapOvr>
     <a:masterClrMapping/>
   </p:clrMapOvr>
+  <p:timing>
+    <p:tnLst>
+      <p:par>
+        <p:cTn id="1" dur="indefinite" restart="never" nodeType="tmRoot"/>
+      </p:par>
+    </p:tnLst>
+  </p:timing>
 </p:sld>
 </file>
 
@@ -3525,83 +3733,122 @@
           <a:chExt cx="0" cy="0"/>
         </a:xfrm>
       </p:grpSpPr>
-      <p:sp>
-        <p:nvSpPr>
-          <p:cNvPr id="2" name="Title 1"/>
-          <p:cNvSpPr>
-            <a:spLocks noGrp="1"/>
-          </p:cNvSpPr>
-          <p:nvPr>
-            <p:ph type="title"/>
-          </p:nvPr>
-        </p:nvSpPr>
-        <p:spPr/>
-        <p:txBody>
-          <a:bodyPr>
-            <a:normAutofit fontScale="90000"/>
-          </a:bodyPr>
-          <a:lstStyle/>
-          <a:p>
-            <a:r>
-              <a:rPr lang="en-US" dirty="0" smtClean="0"/>
-              <a:t>Why do we need statistics in science?</a:t>
-            </a:r>
-            <a:endParaRPr lang="en-US" dirty="0"/>
-          </a:p>
-        </p:txBody>
-      </p:sp>
-      <p:sp>
-        <p:nvSpPr>
-          <p:cNvPr id="3" name="Content Placeholder 2"/>
-          <p:cNvSpPr>
-            <a:spLocks noGrp="1"/>
-          </p:cNvSpPr>
-          <p:nvPr>
-            <p:ph idx="1"/>
-          </p:nvPr>
-        </p:nvSpPr>
-        <p:spPr>
+      <p:pic>
+        <p:nvPicPr>
+          <p:cNvPr id="1027" name="Picture 3" descr="C:\Users\Melanie\Pictures\Africa\IMG_0129.JPG"/>
+          <p:cNvPicPr>
+            <a:picLocks noChangeAspect="1" noChangeArrowheads="1"/>
+          </p:cNvPicPr>
+          <p:nvPr/>
+        </p:nvPicPr>
+        <p:blipFill>
+          <a:blip r:embed="rId2" cstate="print"/>
+          <a:srcRect l="13333" t="20000"/>
+          <a:stretch>
+            <a:fillRect/>
+          </a:stretch>
+        </p:blipFill>
+        <p:spPr bwMode="auto">
           <a:xfrm>
-            <a:off x="457200" y="2362200"/>
-            <a:ext cx="8229600" cy="2590800"/>
+            <a:off x="-1" y="0"/>
+            <a:ext cx="4842933" cy="3352800"/>
           </a:xfrm>
+          <a:prstGeom prst="rect">
+            <a:avLst/>
+          </a:prstGeom>
+          <a:noFill/>
         </p:spPr>
-        <p:txBody>
-          <a:bodyPr>
-            <a:normAutofit lnSpcReduction="10000"/>
-          </a:bodyPr>
-          <a:lstStyle/>
-          <a:p>
-            <a:r>
-              <a:rPr lang="en-US" dirty="0" smtClean="0"/>
-              <a:t>Statistics is the collection, organization, analysis, and interpretation of data </a:t>
-            </a:r>
-          </a:p>
-          <a:p>
-            <a:pPr>
-              <a:buNone/>
-            </a:pPr>
-            <a:endParaRPr lang="en-US" dirty="0" smtClean="0"/>
-          </a:p>
-          <a:p>
-            <a:r>
-              <a:rPr lang="en-US" dirty="0" smtClean="0"/>
-              <a:t>Quantitatively draw conclusions from patterns in data</a:t>
-            </a:r>
-          </a:p>
-          <a:p>
-            <a:pPr>
-              <a:buNone/>
-            </a:pPr>
-            <a:endParaRPr lang="en-US" dirty="0" smtClean="0"/>
-          </a:p>
-        </p:txBody>
-      </p:sp>
+      </p:pic>
+      <p:pic>
+        <p:nvPicPr>
+          <p:cNvPr id="1028" name="Picture 4" descr="C:\Users\Melanie\Pictures\Alaska\P7220037.JPG"/>
+          <p:cNvPicPr>
+            <a:picLocks noChangeAspect="1" noChangeArrowheads="1"/>
+          </p:cNvPicPr>
+          <p:nvPr/>
+        </p:nvPicPr>
+        <p:blipFill>
+          <a:blip r:embed="rId3" cstate="print"/>
+          <a:srcRect l="7500" r="14167"/>
+          <a:stretch>
+            <a:fillRect/>
+          </a:stretch>
+        </p:blipFill>
+        <p:spPr bwMode="auto">
+          <a:xfrm>
+            <a:off x="4262684" y="3352801"/>
+            <a:ext cx="4881316" cy="3505200"/>
+          </a:xfrm>
+          <a:prstGeom prst="rect">
+            <a:avLst/>
+          </a:prstGeom>
+          <a:noFill/>
+        </p:spPr>
+      </p:pic>
+      <p:pic>
+        <p:nvPicPr>
+          <p:cNvPr id="1029" name="Picture 5" descr="C:\Users\Melanie\Pictures\Africa\IMG_0132.JPG"/>
+          <p:cNvPicPr>
+            <a:picLocks noChangeAspect="1" noChangeArrowheads="1"/>
+          </p:cNvPicPr>
+          <p:nvPr/>
+        </p:nvPicPr>
+        <p:blipFill>
+          <a:blip r:embed="rId4" cstate="print"/>
+          <a:srcRect l="28333" r="16667" b="5556"/>
+          <a:stretch>
+            <a:fillRect/>
+          </a:stretch>
+        </p:blipFill>
+        <p:spPr bwMode="auto">
+          <a:xfrm>
+            <a:off x="5638799" y="1"/>
+            <a:ext cx="2603351" cy="3352800"/>
+          </a:xfrm>
+          <a:prstGeom prst="rect">
+            <a:avLst/>
+          </a:prstGeom>
+          <a:noFill/>
+        </p:spPr>
+      </p:pic>
+      <p:pic>
+        <p:nvPicPr>
+          <p:cNvPr id="1031" name="Picture 7" descr="Image result for sea star wasting disease"/>
+          <p:cNvPicPr>
+            <a:picLocks noChangeAspect="1" noChangeArrowheads="1"/>
+          </p:cNvPicPr>
+          <p:nvPr/>
+        </p:nvPicPr>
+        <p:blipFill>
+          <a:blip r:embed="rId5" cstate="print"/>
+          <a:srcRect l="22217" r="35596"/>
+          <a:stretch>
+            <a:fillRect/>
+          </a:stretch>
+        </p:blipFill>
+        <p:spPr bwMode="auto">
+          <a:xfrm>
+            <a:off x="762000" y="3352800"/>
+            <a:ext cx="2686050" cy="3581400"/>
+          </a:xfrm>
+          <a:prstGeom prst="rect">
+            <a:avLst/>
+          </a:prstGeom>
+          <a:noFill/>
+        </p:spPr>
+      </p:pic>
     </p:spTree>
   </p:cSld>
   <p:clrMapOvr>
     <a:masterClrMapping/>
   </p:clrMapOvr>
+  <p:timing>
+    <p:tnLst>
+      <p:par>
+        <p:cTn id="1" dur="indefinite" restart="never" nodeType="tmRoot"/>
+      </p:par>
+    </p:tnLst>
+  </p:timing>
 </p:sld>
 </file>
 
@@ -3647,6 +3894,110 @@
           </a:p>
         </p:txBody>
       </p:sp>
+      <p:sp>
+        <p:nvSpPr>
+          <p:cNvPr id="3" name="Content Placeholder 2"/>
+          <p:cNvSpPr>
+            <a:spLocks noGrp="1"/>
+          </p:cNvSpPr>
+          <p:nvPr>
+            <p:ph idx="1"/>
+          </p:nvPr>
+        </p:nvSpPr>
+        <p:spPr>
+          <a:xfrm>
+            <a:off x="457200" y="2362200"/>
+            <a:ext cx="8229600" cy="2590800"/>
+          </a:xfrm>
+        </p:spPr>
+        <p:txBody>
+          <a:bodyPr>
+            <a:normAutofit lnSpcReduction="10000"/>
+          </a:bodyPr>
+          <a:lstStyle/>
+          <a:p>
+            <a:r>
+              <a:rPr lang="en-US" dirty="0" smtClean="0"/>
+              <a:t>Statistics is the collection, organization, analysis, and interpretation of data </a:t>
+            </a:r>
+          </a:p>
+          <a:p>
+            <a:pPr>
+              <a:buNone/>
+            </a:pPr>
+            <a:endParaRPr lang="en-US" dirty="0" smtClean="0"/>
+          </a:p>
+          <a:p>
+            <a:r>
+              <a:rPr lang="en-US" dirty="0" smtClean="0"/>
+              <a:t>Quantitatively draw conclusions from patterns in data</a:t>
+            </a:r>
+          </a:p>
+          <a:p>
+            <a:pPr>
+              <a:buNone/>
+            </a:pPr>
+            <a:endParaRPr lang="en-US" dirty="0" smtClean="0"/>
+          </a:p>
+        </p:txBody>
+      </p:sp>
+    </p:spTree>
+  </p:cSld>
+  <p:clrMapOvr>
+    <a:masterClrMapping/>
+  </p:clrMapOvr>
+  <p:timing>
+    <p:tnLst>
+      <p:par>
+        <p:cTn id="1" dur="indefinite" restart="never" nodeType="tmRoot"/>
+      </p:par>
+    </p:tnLst>
+  </p:timing>
+</p:sld>
+</file>
+
+<file path=ppt/slides/slide5.xml><?xml version="1.0" encoding="utf-8"?>
+<p:sld xmlns:a="http://schemas.openxmlformats.org/drawingml/2006/main" xmlns:r="http://schemas.openxmlformats.org/officeDocument/2006/relationships" xmlns:p="http://schemas.openxmlformats.org/presentationml/2006/main">
+  <p:cSld>
+    <p:spTree>
+      <p:nvGrpSpPr>
+        <p:cNvPr id="1" name=""/>
+        <p:cNvGrpSpPr/>
+        <p:nvPr/>
+      </p:nvGrpSpPr>
+      <p:grpSpPr>
+        <a:xfrm>
+          <a:off x="0" y="0"/>
+          <a:ext cx="0" cy="0"/>
+          <a:chOff x="0" y="0"/>
+          <a:chExt cx="0" cy="0"/>
+        </a:xfrm>
+      </p:grpSpPr>
+      <p:sp>
+        <p:nvSpPr>
+          <p:cNvPr id="2" name="Title 1"/>
+          <p:cNvSpPr>
+            <a:spLocks noGrp="1"/>
+          </p:cNvSpPr>
+          <p:nvPr>
+            <p:ph type="title"/>
+          </p:nvPr>
+        </p:nvSpPr>
+        <p:spPr/>
+        <p:txBody>
+          <a:bodyPr>
+            <a:normAutofit fontScale="90000"/>
+          </a:bodyPr>
+          <a:lstStyle/>
+          <a:p>
+            <a:r>
+              <a:rPr lang="en-US" dirty="0" smtClean="0"/>
+              <a:t>Why do we need statistics in science?</a:t>
+            </a:r>
+            <a:endParaRPr lang="en-US" dirty="0"/>
+          </a:p>
+        </p:txBody>
+      </p:sp>
       <p:pic>
         <p:nvPicPr>
           <p:cNvPr id="4" name="Content Placeholder 3" descr="The_Scientific_Method_as_an_Ongoing_Process.svg.png"/>
@@ -3676,135 +4027,13 @@
   <p:clrMapOvr>
     <a:masterClrMapping/>
   </p:clrMapOvr>
-</p:sld>
-</file>
-
-<file path=ppt/slides/slide5.xml><?xml version="1.0" encoding="utf-8"?>
-<p:sld xmlns:a="http://schemas.openxmlformats.org/drawingml/2006/main" xmlns:r="http://schemas.openxmlformats.org/officeDocument/2006/relationships" xmlns:p="http://schemas.openxmlformats.org/presentationml/2006/main">
-  <p:cSld>
-    <p:spTree>
-      <p:nvGrpSpPr>
-        <p:cNvPr id="1" name=""/>
-        <p:cNvGrpSpPr/>
-        <p:nvPr/>
-      </p:nvGrpSpPr>
-      <p:grpSpPr>
-        <a:xfrm>
-          <a:off x="0" y="0"/>
-          <a:ext cx="0" cy="0"/>
-          <a:chOff x="0" y="0"/>
-          <a:chExt cx="0" cy="0"/>
-        </a:xfrm>
-      </p:grpSpPr>
-      <p:sp>
-        <p:nvSpPr>
-          <p:cNvPr id="2" name="Title 1"/>
-          <p:cNvSpPr>
-            <a:spLocks noGrp="1"/>
-          </p:cNvSpPr>
-          <p:nvPr>
-            <p:ph type="title"/>
-          </p:nvPr>
-        </p:nvSpPr>
-        <p:spPr/>
-        <p:txBody>
-          <a:bodyPr>
-            <a:normAutofit fontScale="90000"/>
-          </a:bodyPr>
-          <a:lstStyle/>
-          <a:p>
-            <a:r>
-              <a:rPr lang="en-US" dirty="0" smtClean="0"/>
-              <a:t>Why do we need statistics in science?</a:t>
-            </a:r>
-            <a:endParaRPr lang="en-US" dirty="0"/>
-          </a:p>
-        </p:txBody>
-      </p:sp>
-      <p:sp>
-        <p:nvSpPr>
-          <p:cNvPr id="3" name="Content Placeholder 2"/>
-          <p:cNvSpPr>
-            <a:spLocks noGrp="1"/>
-          </p:cNvSpPr>
-          <p:nvPr>
-            <p:ph idx="1"/>
-          </p:nvPr>
-        </p:nvSpPr>
-        <p:spPr>
-          <a:xfrm>
-            <a:off x="457200" y="2324100"/>
-            <a:ext cx="8229600" cy="2705100"/>
-          </a:xfrm>
-        </p:spPr>
-        <p:txBody>
-          <a:bodyPr>
-            <a:normAutofit lnSpcReduction="10000"/>
-          </a:bodyPr>
-          <a:lstStyle/>
-          <a:p>
-            <a:r>
-              <a:rPr lang="en-US" dirty="0" smtClean="0"/>
-              <a:t>Descriptive</a:t>
-            </a:r>
-            <a:r>
-              <a:rPr lang="en-US" dirty="0" smtClean="0"/>
-              <a:t>: summarize or describe data</a:t>
-            </a:r>
-          </a:p>
-          <a:p>
-            <a:pPr>
-              <a:buNone/>
-            </a:pPr>
-            <a:endParaRPr lang="en-US" dirty="0" smtClean="0"/>
-          </a:p>
-          <a:p>
-            <a:r>
-              <a:rPr lang="en-US" dirty="0" smtClean="0"/>
-              <a:t>Inferential: </a:t>
-            </a:r>
-            <a:r>
-              <a:rPr lang="en-US" dirty="0" smtClean="0"/>
-              <a:t>techniques </a:t>
-            </a:r>
-            <a:r>
-              <a:rPr lang="en-US" dirty="0" smtClean="0"/>
-              <a:t>that allow us to use </a:t>
-            </a:r>
-            <a:r>
-              <a:rPr lang="en-US" dirty="0" smtClean="0"/>
-              <a:t>samples from a larger population </a:t>
-            </a:r>
-            <a:r>
-              <a:rPr lang="en-US" dirty="0" smtClean="0"/>
-              <a:t>to </a:t>
-            </a:r>
-            <a:r>
-              <a:rPr lang="en-US" dirty="0" smtClean="0"/>
-              <a:t>make </a:t>
-            </a:r>
-            <a:r>
-              <a:rPr lang="en-US" dirty="0" smtClean="0"/>
-              <a:t>generalizations about </a:t>
-            </a:r>
-            <a:r>
-              <a:rPr lang="en-US" dirty="0" smtClean="0"/>
-              <a:t>that populations.</a:t>
-            </a:r>
-          </a:p>
-          <a:p>
-            <a:pPr>
-              <a:buNone/>
-            </a:pPr>
-            <a:endParaRPr lang="en-US" dirty="0" smtClean="0"/>
-          </a:p>
-        </p:txBody>
-      </p:sp>
-    </p:spTree>
-  </p:cSld>
-  <p:clrMapOvr>
-    <a:masterClrMapping/>
-  </p:clrMapOvr>
+  <p:timing>
+    <p:tnLst>
+      <p:par>
+        <p:cTn id="1" dur="indefinite" restart="never" nodeType="tmRoot"/>
+      </p:par>
+    </p:tnLst>
+  </p:timing>
 </p:sld>
 </file>
 
@@ -3837,45 +4066,86 @@
         </p:nvSpPr>
         <p:spPr/>
         <p:txBody>
-          <a:bodyPr/>
+          <a:bodyPr>
+            <a:normAutofit fontScale="90000"/>
+          </a:bodyPr>
           <a:lstStyle/>
           <a:p>
             <a:r>
               <a:rPr lang="en-US" dirty="0" smtClean="0"/>
-              <a:t>Syllabus and Questionnaire</a:t>
+              <a:t>Why do we need statistics in science?</a:t>
             </a:r>
             <a:endParaRPr lang="en-US" dirty="0"/>
           </a:p>
         </p:txBody>
       </p:sp>
-      <p:sp>
-        <p:nvSpPr>
-          <p:cNvPr id="3" name="Content Placeholder 2"/>
-          <p:cNvSpPr>
-            <a:spLocks noGrp="1"/>
-          </p:cNvSpPr>
+      <p:pic>
+        <p:nvPicPr>
+          <p:cNvPr id="4" name="Content Placeholder 3" descr="The_Scientific_Method_as_an_Ongoing_Process.svg.png"/>
+          <p:cNvPicPr>
+            <a:picLocks noGrp="1" noChangeAspect="1"/>
+          </p:cNvPicPr>
           <p:nvPr>
             <p:ph idx="1"/>
           </p:nvPr>
-        </p:nvSpPr>
+        </p:nvPicPr>
+        <p:blipFill>
+          <a:blip r:embed="rId2" cstate="print"/>
+          <a:srcRect t="8418"/>
+          <a:stretch>
+            <a:fillRect/>
+          </a:stretch>
+        </p:blipFill>
         <p:spPr>
           <a:xfrm>
-            <a:off x="457200" y="2857500"/>
-            <a:ext cx="8229600" cy="1143000"/>
+            <a:off x="1520245" y="1798637"/>
+            <a:ext cx="6103510" cy="4602163"/>
           </a:xfrm>
         </p:spPr>
-        <p:txBody>
-          <a:bodyPr/>
-          <a:lstStyle/>
-          <a:p>
-            <a:pPr algn="ctr">
-              <a:buNone/>
-            </a:pPr>
-            <a:r>
-              <a:rPr lang="en-US" dirty="0" smtClean="0"/>
-              <a:t>Turn in the questionnaire to me by the end of the day today!</a:t>
-            </a:r>
-            <a:endParaRPr lang="en-US" dirty="0"/>
+      </p:pic>
+      <p:sp>
+        <p:nvSpPr>
+          <p:cNvPr id="6" name="Rectangle 5"/>
+          <p:cNvSpPr/>
+          <p:nvPr/>
+        </p:nvSpPr>
+        <p:spPr>
+          <a:xfrm>
+            <a:off x="1676400" y="4038600"/>
+            <a:ext cx="1905000" cy="1524000"/>
+          </a:xfrm>
+          <a:prstGeom prst="rect">
+            <a:avLst/>
+          </a:prstGeom>
+          <a:noFill/>
+          <a:ln>
+            <a:solidFill>
+              <a:srgbClr val="FF0000"/>
+            </a:solidFill>
+          </a:ln>
+        </p:spPr>
+        <p:style>
+          <a:lnRef idx="2">
+            <a:schemeClr val="accent1">
+              <a:shade val="50000"/>
+            </a:schemeClr>
+          </a:lnRef>
+          <a:fillRef idx="1">
+            <a:schemeClr val="accent1"/>
+          </a:fillRef>
+          <a:effectRef idx="0">
+            <a:schemeClr val="accent1"/>
+          </a:effectRef>
+          <a:fontRef idx="minor">
+            <a:schemeClr val="lt1"/>
+          </a:fontRef>
+        </p:style>
+        <p:txBody>
+          <a:bodyPr rtlCol="0" anchor="ctr"/>
+          <a:lstStyle/>
+          <a:p>
+            <a:pPr algn="ctr"/>
+            <a:endParaRPr lang="en-US"/>
           </a:p>
         </p:txBody>
       </p:sp>
@@ -3884,6 +4154,13 @@
   <p:clrMapOvr>
     <a:masterClrMapping/>
   </p:clrMapOvr>
+  <p:timing>
+    <p:tnLst>
+      <p:par>
+        <p:cTn id="1" dur="indefinite" restart="never" nodeType="tmRoot"/>
+      </p:par>
+    </p:tnLst>
+  </p:timing>
 </p:sld>
 </file>
 
@@ -3916,12 +4193,14 @@
         </p:nvSpPr>
         <p:spPr/>
         <p:txBody>
-          <a:bodyPr/>
+          <a:bodyPr>
+            <a:normAutofit fontScale="90000"/>
+          </a:bodyPr>
           <a:lstStyle/>
           <a:p>
             <a:r>
               <a:rPr lang="en-US" dirty="0" smtClean="0"/>
-              <a:t>Grading</a:t>
+              <a:t>Why do we need statistics in science?</a:t>
             </a:r>
             <a:endParaRPr lang="en-US" dirty="0"/>
           </a:p>
@@ -3939,57 +4218,38 @@
         </p:nvSpPr>
         <p:spPr>
           <a:xfrm>
-            <a:off x="457200" y="1714500"/>
-            <a:ext cx="8229600" cy="3429000"/>
+            <a:off x="457200" y="2324100"/>
+            <a:ext cx="8229600" cy="2705100"/>
           </a:xfrm>
         </p:spPr>
         <p:txBody>
-          <a:bodyPr/>
-          <a:lstStyle/>
+          <a:bodyPr>
+            <a:normAutofit lnSpcReduction="10000"/>
+          </a:bodyPr>
+          <a:lstStyle/>
+          <a:p>
+            <a:r>
+              <a:rPr lang="en-US" dirty="0" smtClean="0"/>
+              <a:t>Descriptive: summarize or describe data</a:t>
+            </a:r>
+          </a:p>
           <a:p>
             <a:pPr>
-              <a:lnSpc>
-                <a:spcPct val="150000"/>
-              </a:lnSpc>
+              <a:buNone/>
             </a:pPr>
+            <a:endParaRPr lang="en-US" dirty="0" smtClean="0"/>
+          </a:p>
+          <a:p>
             <a:r>
               <a:rPr lang="en-US" dirty="0" smtClean="0"/>
-              <a:t>Assignments: 50% (10 assignments; 5% each)</a:t>
+              <a:t>Inferential: techniques that allow us to use samples from a larger population to make generalizations about that populations.</a:t>
             </a:r>
           </a:p>
           <a:p>
             <a:pPr>
-              <a:lnSpc>
-                <a:spcPct val="150000"/>
-              </a:lnSpc>
+              <a:buNone/>
             </a:pPr>
-            <a:r>
-              <a:rPr lang="en-US" dirty="0" smtClean="0"/>
-              <a:t>Mid term quiz: 10%</a:t>
-            </a:r>
-          </a:p>
-          <a:p>
-            <a:pPr>
-              <a:lnSpc>
-                <a:spcPct val="150000"/>
-              </a:lnSpc>
-            </a:pPr>
-            <a:r>
-              <a:rPr lang="en-US" dirty="0" smtClean="0"/>
-              <a:t>Final Paper: 15%</a:t>
-            </a:r>
-          </a:p>
-          <a:p>
-            <a:pPr>
-              <a:lnSpc>
-                <a:spcPct val="150000"/>
-              </a:lnSpc>
-            </a:pPr>
-            <a:r>
-              <a:rPr lang="en-US" dirty="0" smtClean="0"/>
-              <a:t>Final Exam: 25%</a:t>
-            </a:r>
-            <a:endParaRPr lang="en-US" dirty="0"/>
+            <a:endParaRPr lang="en-US" dirty="0" smtClean="0"/>
           </a:p>
         </p:txBody>
       </p:sp>
@@ -3998,6 +4258,13 @@
   <p:clrMapOvr>
     <a:masterClrMapping/>
   </p:clrMapOvr>
+  <p:timing>
+    <p:tnLst>
+      <p:par>
+        <p:cTn id="1" dur="indefinite" restart="never" nodeType="tmRoot"/>
+      </p:par>
+    </p:tnLst>
+  </p:timing>
 </p:sld>
 </file>
 
@@ -4135,7 +4402,7 @@
           <a:p>
             <a:r>
               <a:rPr lang="en-US" dirty="0" smtClean="0"/>
-              <a:t>Human Subjects Training</a:t>
+              <a:t>Syllabus and Questionnaire</a:t>
             </a:r>
             <a:endParaRPr lang="en-US" dirty="0"/>
           </a:p>
@@ -4151,34 +4418,22 @@
             <p:ph idx="1"/>
           </p:nvPr>
         </p:nvSpPr>
-        <p:spPr/>
-        <p:txBody>
-          <a:bodyPr/>
-          <a:lstStyle/>
-          <a:p>
-            <a:pPr marL="0" indent="0" algn="ctr">
+        <p:spPr>
+          <a:xfrm>
+            <a:off x="457200" y="2857500"/>
+            <a:ext cx="8229600" cy="1143000"/>
+          </a:xfrm>
+        </p:spPr>
+        <p:txBody>
+          <a:bodyPr/>
+          <a:lstStyle/>
+          <a:p>
+            <a:pPr algn="ctr">
               <a:buNone/>
             </a:pPr>
             <a:r>
               <a:rPr lang="en-US" dirty="0" smtClean="0"/>
-              <a:t>This afternoon we are going to use human subjects (ourselves) in our lab. Please complete the human subjects training by next class (Wednesday 1/10/18)</a:t>
-            </a:r>
-          </a:p>
-          <a:p>
-            <a:pPr marL="0" indent="0" algn="ctr">
-              <a:buNone/>
-            </a:pPr>
-            <a:endParaRPr lang="en-US" dirty="0"/>
-          </a:p>
-          <a:p>
-            <a:pPr marL="0" indent="0" algn="ctr">
-              <a:buNone/>
-            </a:pPr>
-            <a:r>
-              <a:rPr lang="en-US" dirty="0" smtClean="0">
-                <a:hlinkClick r:id="rId2"/>
-              </a:rPr>
-              <a:t>https://phrp.nihtraining.com/users/login.php</a:t>
+              <a:t>Turn in the questionnaire to me by the end of the day today!</a:t>
             </a:r>
             <a:endParaRPr lang="en-US" dirty="0"/>
           </a:p>
@@ -4189,6 +4444,13 @@
   <p:clrMapOvr>
     <a:masterClrMapping/>
   </p:clrMapOvr>
+  <p:timing>
+    <p:tnLst>
+      <p:par>
+        <p:cTn id="1" dur="indefinite" restart="never" nodeType="tmRoot"/>
+      </p:par>
+    </p:tnLst>
+  </p:timing>
 </p:sld>
 </file>
 
